--- a/Android_Dev_Event_Nov_2016.pptx
+++ b/Android_Dev_Event_Nov_2016.pptx
@@ -12,6 +12,7 @@
     <p:sldId id="260" r:id="rId6"/>
     <p:sldId id="261" r:id="rId7"/>
     <p:sldId id="262" r:id="rId8"/>
+    <p:sldId id="263" r:id="rId9"/>
   </p:sldIdLst>
   <p:sldSz cx="12192000" cy="6858000"/>
   <p:notesSz cx="7559675" cy="10691813"/>
@@ -110,6 +111,11 @@
       </a:defRPr>
     </a:lvl9pPr>
   </p:defaultTextStyle>
+  <p:extLst>
+    <p:ext uri="{EFAFB233-063F-42B5-8137-9DF3F51BA10A}">
+      <p15:sldGuideLst xmlns:p15="http://schemas.microsoft.com/office/powerpoint/2012/main"/>
+    </p:ext>
+  </p:extLst>
 </p:presentation>
 </file>
 
@@ -3993,8 +3999,12 @@
           <a:bodyPr lIns="90000" tIns="45000" rIns="90000" bIns="45000" anchor="ctr"/>
           <a:lstStyle/>
           <a:p>
+            <a:pPr marL="457200" indent="-457200">
+              <a:buFont typeface="Arial" panose="020B0604020202020204" pitchFamily="34" charset="0"/>
+              <a:buChar char="•"/>
+            </a:pPr>
             <a:r>
-              <a:rPr lang="en-US" sz="2800" b="0" strike="noStrike" spc="-1">
+              <a:rPr lang="en-US" sz="2800" b="0" strike="noStrike" spc="-1" dirty="0">
                 <a:solidFill>
                   <a:srgbClr val="FFFFFF"/>
                 </a:solidFill>
@@ -4005,9 +4015,37 @@
                 </a:uFill>
                 <a:latin typeface="Arial"/>
               </a:rPr>
-              <a:t>2.200.00 (2016) apps in play Play Store.</a:t>
+              <a:t>2.200.00 (2016) apps in play </a:t>
             </a:r>
-            <a:endParaRPr lang="en-US" sz="2800" b="0" strike="noStrike" spc="-1">
+            <a:r>
+              <a:rPr lang="en-US" sz="2800" b="0" strike="noStrike" spc="-1" dirty="0" err="1">
+                <a:solidFill>
+                  <a:srgbClr val="FFFFFF"/>
+                </a:solidFill>
+                <a:uFill>
+                  <a:solidFill>
+                    <a:srgbClr val="FFFFFF"/>
+                  </a:solidFill>
+                </a:uFill>
+                <a:latin typeface="Arial"/>
+              </a:rPr>
+              <a:t>Play</a:t>
+            </a:r>
+            <a:r>
+              <a:rPr lang="en-US" sz="2800" b="0" strike="noStrike" spc="-1" dirty="0">
+                <a:solidFill>
+                  <a:srgbClr val="FFFFFF"/>
+                </a:solidFill>
+                <a:uFill>
+                  <a:solidFill>
+                    <a:srgbClr val="FFFFFF"/>
+                  </a:solidFill>
+                </a:uFill>
+                <a:latin typeface="Arial"/>
+              </a:rPr>
+              <a:t> Store.</a:t>
+            </a:r>
+            <a:endParaRPr lang="en-US" sz="2800" b="0" strike="noStrike" spc="-1" dirty="0">
               <a:solidFill>
                 <a:srgbClr val="000000"/>
               </a:solidFill>
@@ -4020,8 +4058,12 @@
             </a:endParaRPr>
           </a:p>
           <a:p>
+            <a:pPr marL="457200" indent="-457200">
+              <a:buFont typeface="Arial" panose="020B0604020202020204" pitchFamily="34" charset="0"/>
+              <a:buChar char="•"/>
+            </a:pPr>
             <a:r>
-              <a:rPr lang="en-US" sz="2800" b="0" strike="noStrike" spc="-1">
+              <a:rPr lang="en-US" sz="2800" b="0" strike="noStrike" spc="-1" dirty="0">
                 <a:solidFill>
                   <a:srgbClr val="FFFFFF"/>
                 </a:solidFill>
@@ -4034,7 +4076,7 @@
               </a:rPr>
               <a:t>A lot of choices for devices that run Android.</a:t>
             </a:r>
-            <a:endParaRPr lang="en-US" sz="2800" b="0" strike="noStrike" spc="-1">
+            <a:endParaRPr lang="en-US" sz="2800" b="0" strike="noStrike" spc="-1" dirty="0">
               <a:solidFill>
                 <a:srgbClr val="000000"/>
               </a:solidFill>
@@ -4047,8 +4089,12 @@
             </a:endParaRPr>
           </a:p>
           <a:p>
+            <a:pPr marL="457200" indent="-457200">
+              <a:buFont typeface="Arial" panose="020B0604020202020204" pitchFamily="34" charset="0"/>
+              <a:buChar char="•"/>
+            </a:pPr>
             <a:r>
-              <a:rPr lang="en-US" sz="2800" b="0" strike="noStrike" spc="-1">
+              <a:rPr lang="en-US" sz="2800" b="0" strike="noStrike" spc="-1" dirty="0">
                 <a:solidFill>
                   <a:srgbClr val="FFFFFF"/>
                 </a:solidFill>
@@ -4059,9 +4105,9 @@
                 </a:uFill>
                 <a:latin typeface="Arial"/>
               </a:rPr>
-              <a:t>Modification of platform unsing custom ROMS.</a:t>
+              <a:t>Modification of platform using custom ROMS.</a:t>
             </a:r>
-            <a:endParaRPr lang="en-US" sz="2800" b="0" strike="noStrike" spc="-1">
+            <a:endParaRPr lang="en-US" sz="2800" b="0" strike="noStrike" spc="-1" dirty="0">
               <a:solidFill>
                 <a:srgbClr val="000000"/>
               </a:solidFill>
@@ -4074,8 +4120,12 @@
             </a:endParaRPr>
           </a:p>
           <a:p>
+            <a:pPr marL="457200" indent="-457200">
+              <a:buFont typeface="Arial" panose="020B0604020202020204" pitchFamily="34" charset="0"/>
+              <a:buChar char="•"/>
+            </a:pPr>
             <a:r>
-              <a:rPr lang="en-US" sz="2800" b="0" strike="noStrike" spc="-1">
+              <a:rPr lang="en-US" sz="2800" b="0" strike="noStrike" spc="-1" dirty="0">
                 <a:solidFill>
                   <a:srgbClr val="FFFFFF"/>
                 </a:solidFill>
@@ -4086,9 +4136,37 @@
                 </a:uFill>
                 <a:latin typeface="Arial"/>
               </a:rPr>
-              <a:t>Plethora of advertisments. (θετικό ή αρνητικό);​</a:t>
+              <a:t>Plethora of advertisements. (advantage </a:t>
             </a:r>
-            <a:endParaRPr lang="en-US" sz="2800" b="0" strike="noStrike" spc="-1">
+            <a:r>
+              <a:rPr lang="en-US" sz="2800" b="0" strike="noStrike" spc="-1">
+                <a:solidFill>
+                  <a:srgbClr val="FFFFFF"/>
+                </a:solidFill>
+                <a:uFill>
+                  <a:solidFill>
+                    <a:srgbClr val="FFFFFF"/>
+                  </a:solidFill>
+                </a:uFill>
+                <a:latin typeface="Arial"/>
+              </a:rPr>
+              <a:t>or disadvantage);</a:t>
+            </a:r>
+            <a:r>
+              <a:rPr lang="en-US" sz="2800" b="0" strike="noStrike" spc="-1" dirty="0">
+                <a:solidFill>
+                  <a:srgbClr val="FFFFFF"/>
+                </a:solidFill>
+                <a:uFill>
+                  <a:solidFill>
+                    <a:srgbClr val="FFFFFF"/>
+                  </a:solidFill>
+                </a:uFill>
+                <a:latin typeface="Arial"/>
+              </a:rPr>
+              <a:t>​</a:t>
+            </a:r>
+            <a:endParaRPr lang="en-US" sz="2800" b="0" strike="noStrike" spc="-1" dirty="0">
               <a:solidFill>
                 <a:srgbClr val="000000"/>
               </a:solidFill>
@@ -4766,6 +4844,215 @@
         </p:txBody>
       </p:sp>
     </p:spTree>
+  </p:cSld>
+  <p:clrMapOvr>
+    <a:masterClrMapping/>
+  </p:clrMapOvr>
+  <p:timing>
+    <p:tnLst>
+      <p:par>
+        <p:cTn id="1" dur="indefinite" restart="never" nodeType="tmRoot">
+          <p:childTnLst>
+            <p:seq>
+              <p:cTn id="2" nodeType="mainSeq"/>
+              <p:prevCondLst>
+                <p:cond evt="onPrev" delay="0">
+                  <p:tgtEl>
+                    <p:sldTgt/>
+                  </p:tgtEl>
+                </p:cond>
+              </p:prevCondLst>
+              <p:nextCondLst>
+                <p:cond evt="onNext" delay="0">
+                  <p:tgtEl>
+                    <p:sldTgt/>
+                  </p:tgtEl>
+                </p:cond>
+              </p:nextCondLst>
+            </p:seq>
+          </p:childTnLst>
+        </p:cTn>
+      </p:par>
+    </p:tnLst>
+  </p:timing>
+</p:sld>
+</file>
+
+<file path=ppt/slides/slide8.xml><?xml version="1.0" encoding="utf-8"?>
+<p:sld xmlns:a="http://schemas.openxmlformats.org/drawingml/2006/main" xmlns:r="http://schemas.openxmlformats.org/officeDocument/2006/relationships" xmlns:p="http://schemas.openxmlformats.org/presentationml/2006/main">
+  <p:cSld>
+    <p:bg>
+      <p:bgPr>
+        <a:blipFill>
+          <a:blip r:embed="rId2"/>
+          <a:stretch>
+            <a:fillRect/>
+          </a:stretch>
+        </a:blipFill>
+        <a:effectLst/>
+      </p:bgPr>
+    </p:bg>
+    <p:spTree>
+      <p:nvGrpSpPr>
+        <p:cNvPr id="1" name=""/>
+        <p:cNvGrpSpPr/>
+        <p:nvPr/>
+      </p:nvGrpSpPr>
+      <p:grpSpPr>
+        <a:xfrm>
+          <a:off x="0" y="0"/>
+          <a:ext cx="0" cy="0"/>
+          <a:chOff x="0" y="0"/>
+          <a:chExt cx="0" cy="0"/>
+        </a:xfrm>
+      </p:grpSpPr>
+      <p:sp>
+        <p:nvSpPr>
+          <p:cNvPr id="59" name="CustomShape 1"/>
+          <p:cNvSpPr/>
+          <p:nvPr/>
+        </p:nvSpPr>
+        <p:spPr>
+          <a:xfrm>
+            <a:off x="11731320" y="6704280"/>
+            <a:ext cx="329400" cy="105480"/>
+          </a:xfrm>
+          <a:prstGeom prst="rect">
+            <a:avLst/>
+          </a:prstGeom>
+          <a:noFill/>
+          <a:ln>
+            <a:noFill/>
+          </a:ln>
+        </p:spPr>
+        <p:style>
+          <a:lnRef idx="0">
+            <a:scrgbClr r="0" g="0" b="0"/>
+          </a:lnRef>
+          <a:fillRef idx="0">
+            <a:scrgbClr r="0" g="0" b="0"/>
+          </a:fillRef>
+          <a:effectRef idx="0">
+            <a:scrgbClr r="0" g="0" b="0"/>
+          </a:effectRef>
+          <a:fontRef idx="minor"/>
+        </p:style>
+        <p:txBody>
+          <a:bodyPr lIns="90000" tIns="45000" rIns="90000" bIns="45000"/>
+          <a:lstStyle/>
+          <a:p>
+            <a:pPr>
+              <a:lnSpc>
+                <a:spcPct val="100000"/>
+              </a:lnSpc>
+            </a:pPr>
+            <a:r>
+              <a:rPr lang="en-US" sz="100" b="0" u="sng" strike="noStrike" spc="-1">
+                <a:solidFill>
+                  <a:srgbClr val="044A91"/>
+                </a:solidFill>
+                <a:uFill>
+                  <a:solidFill>
+                    <a:srgbClr val="FFFFFF"/>
+                  </a:solidFill>
+                </a:uFill>
+                <a:latin typeface="Calibri"/>
+                <a:hlinkClick r:id="rId3"/>
+              </a:rPr>
+              <a:t>Free PowerPoint Templates</a:t>
+            </a:r>
+            <a:endParaRPr lang="en-US" sz="1800" b="0" strike="noStrike" spc="-1">
+              <a:solidFill>
+                <a:srgbClr val="000000"/>
+              </a:solidFill>
+              <a:uFill>
+                <a:solidFill>
+                  <a:srgbClr val="FFFFFF"/>
+                </a:solidFill>
+              </a:uFill>
+              <a:latin typeface="Arial"/>
+            </a:endParaRPr>
+          </a:p>
+        </p:txBody>
+      </p:sp>
+      <p:sp>
+        <p:nvSpPr>
+          <p:cNvPr id="60" name="CustomShape 2"/>
+          <p:cNvSpPr/>
+          <p:nvPr/>
+        </p:nvSpPr>
+        <p:spPr>
+          <a:xfrm>
+            <a:off x="548640" y="2377440"/>
+            <a:ext cx="10789920" cy="3291840"/>
+          </a:xfrm>
+          <a:prstGeom prst="roundRect">
+            <a:avLst>
+              <a:gd name="adj" fmla="val 16667"/>
+            </a:avLst>
+          </a:prstGeom>
+          <a:solidFill>
+            <a:srgbClr val="444444"/>
+          </a:solidFill>
+          <a:ln>
+            <a:solidFill>
+              <a:schemeClr val="bg1"/>
+            </a:solidFill>
+          </a:ln>
+        </p:spPr>
+        <p:style>
+          <a:lnRef idx="2">
+            <a:schemeClr val="accent1">
+              <a:shade val="50000"/>
+            </a:schemeClr>
+          </a:lnRef>
+          <a:fillRef idx="1">
+            <a:schemeClr val="accent1"/>
+          </a:fillRef>
+          <a:effectRef idx="0">
+            <a:schemeClr val="accent1"/>
+          </a:effectRef>
+          <a:fontRef idx="minor"/>
+        </p:style>
+        <p:txBody>
+          <a:bodyPr lIns="90000" tIns="45000" rIns="90000" bIns="45000" anchor="ctr"/>
+          <a:lstStyle/>
+          <a:p>
+            <a:pPr algn="ctr"/>
+            <a:r>
+              <a:rPr lang="en-US" sz="2800" b="0" strike="noStrike" spc="-1" dirty="0">
+                <a:solidFill>
+                  <a:srgbClr val="FFFFFF"/>
+                </a:solidFill>
+                <a:uFill>
+                  <a:solidFill>
+                    <a:srgbClr val="FFFFFF"/>
+                  </a:solidFill>
+                </a:uFill>
+                <a:latin typeface="Arial"/>
+              </a:rPr>
+              <a:t>Any questions so far?</a:t>
+            </a:r>
+            <a:endParaRPr lang="en-US" sz="2800" b="0" strike="noStrike" spc="-1" dirty="0">
+              <a:solidFill>
+                <a:srgbClr val="000000"/>
+              </a:solidFill>
+              <a:uFill>
+                <a:solidFill>
+                  <a:srgbClr val="FFFFFF"/>
+                </a:solidFill>
+              </a:uFill>
+              <a:latin typeface="Arial"/>
+            </a:endParaRPr>
+          </a:p>
+        </p:txBody>
+      </p:sp>
+    </p:spTree>
+    <p:extLst>
+      <p:ext uri="{BB962C8B-B14F-4D97-AF65-F5344CB8AC3E}">
+        <p14:creationId xmlns:p14="http://schemas.microsoft.com/office/powerpoint/2010/main" val="1042881065"/>
+      </p:ext>
+    </p:extLst>
   </p:cSld>
   <p:clrMapOvr>
     <a:masterClrMapping/>
